--- a/Coursera presentation.pptx
+++ b/Coursera presentation.pptx
@@ -111,6 +111,11 @@
       </a:defRPr>
     </a:lvl9pPr>
   </p:defaultTextStyle>
+  <p:extLst>
+    <p:ext uri="{EFAFB233-063F-42B5-8137-9DF3F51BA10A}">
+      <p15:sldGuideLst xmlns:p15="http://schemas.microsoft.com/office/powerpoint/2012/main"/>
+    </p:ext>
+  </p:extLst>
 </p:presentation>
 </file>
 
@@ -4826,13 +4831,7 @@
               <a:rPr lang="en-TW" dirty="0">
                 <a:hlinkClick r:id="rId2"/>
               </a:rPr>
-              <a:t>List of Areas </a:t>
-            </a:r>
-            <a:r>
-              <a:rPr lang="en-TW" dirty="0">
-                <a:hlinkClick r:id="rId2"/>
-              </a:rPr>
-              <a:t>of London</a:t>
+              <a:t>List of Areas of London</a:t>
             </a:r>
             <a:endParaRPr lang="en-TW" dirty="0"/>
           </a:p>
@@ -5556,11 +5555,17 @@
             <p:ph type="title"/>
           </p:nvPr>
         </p:nvSpPr>
-        <p:spPr/>
+        <p:spPr>
+          <a:xfrm>
+            <a:off x="2116834" y="821816"/>
+            <a:ext cx="7958331" cy="1077229"/>
+          </a:xfrm>
+        </p:spPr>
         <p:txBody>
           <a:bodyPr/>
           <a:lstStyle/>
           <a:p>
+            <a:pPr algn="ctr"/>
             <a:r>
               <a:rPr lang="en-TW" b="1" dirty="0"/>
               <a:t>Thanks for your notice!!!</a:t>
